--- a/求主充滿我 (崇拜版).pptx
+++ b/求主充滿我 (崇拜版).pptx
@@ -108,6 +108,11 @@
       </a:defRPr>
     </a:lvl9pPr>
   </p:defaultTextStyle>
+  <p:extLst>
+    <p:ext uri="{EFAFB233-063F-42B5-8137-9DF3F51BA10A}">
+      <p15:sldGuideLst xmlns:p15="http://schemas.microsoft.com/office/powerpoint/2012/main"/>
+    </p:ext>
+  </p:extLst>
 </p:presentation>
 </file>
 
@@ -292,7 +297,7 @@
           <a:p>
             <a:fld id="{785A6BDF-D4D2-4D70-98B2-974E4DE581E0}" type="datetimeFigureOut">
               <a:rPr lang="vi-VN" smtClean="0"/>
-              <a:t>23/10/2021</a:t>
+              <a:t>17/06/2023</a:t>
             </a:fld>
             <a:endParaRPr lang="vi-VN"/>
           </a:p>
@@ -462,7 +467,7 @@
           <a:p>
             <a:fld id="{785A6BDF-D4D2-4D70-98B2-974E4DE581E0}" type="datetimeFigureOut">
               <a:rPr lang="vi-VN" smtClean="0"/>
-              <a:t>23/10/2021</a:t>
+              <a:t>17/06/2023</a:t>
             </a:fld>
             <a:endParaRPr lang="vi-VN"/>
           </a:p>
@@ -642,7 +647,7 @@
           <a:p>
             <a:fld id="{785A6BDF-D4D2-4D70-98B2-974E4DE581E0}" type="datetimeFigureOut">
               <a:rPr lang="vi-VN" smtClean="0"/>
-              <a:t>23/10/2021</a:t>
+              <a:t>17/06/2023</a:t>
             </a:fld>
             <a:endParaRPr lang="vi-VN"/>
           </a:p>
@@ -812,7 +817,7 @@
           <a:p>
             <a:fld id="{785A6BDF-D4D2-4D70-98B2-974E4DE581E0}" type="datetimeFigureOut">
               <a:rPr lang="vi-VN" smtClean="0"/>
-              <a:t>23/10/2021</a:t>
+              <a:t>17/06/2023</a:t>
             </a:fld>
             <a:endParaRPr lang="vi-VN"/>
           </a:p>
@@ -1058,7 +1063,7 @@
           <a:p>
             <a:fld id="{785A6BDF-D4D2-4D70-98B2-974E4DE581E0}" type="datetimeFigureOut">
               <a:rPr lang="vi-VN" smtClean="0"/>
-              <a:t>23/10/2021</a:t>
+              <a:t>17/06/2023</a:t>
             </a:fld>
             <a:endParaRPr lang="vi-VN"/>
           </a:p>
@@ -1346,7 +1351,7 @@
           <a:p>
             <a:fld id="{785A6BDF-D4D2-4D70-98B2-974E4DE581E0}" type="datetimeFigureOut">
               <a:rPr lang="vi-VN" smtClean="0"/>
-              <a:t>23/10/2021</a:t>
+              <a:t>17/06/2023</a:t>
             </a:fld>
             <a:endParaRPr lang="vi-VN"/>
           </a:p>
@@ -1768,7 +1773,7 @@
           <a:p>
             <a:fld id="{785A6BDF-D4D2-4D70-98B2-974E4DE581E0}" type="datetimeFigureOut">
               <a:rPr lang="vi-VN" smtClean="0"/>
-              <a:t>23/10/2021</a:t>
+              <a:t>17/06/2023</a:t>
             </a:fld>
             <a:endParaRPr lang="vi-VN"/>
           </a:p>
@@ -1886,7 +1891,7 @@
           <a:p>
             <a:fld id="{785A6BDF-D4D2-4D70-98B2-974E4DE581E0}" type="datetimeFigureOut">
               <a:rPr lang="vi-VN" smtClean="0"/>
-              <a:t>23/10/2021</a:t>
+              <a:t>17/06/2023</a:t>
             </a:fld>
             <a:endParaRPr lang="vi-VN"/>
           </a:p>
@@ -1981,7 +1986,7 @@
           <a:p>
             <a:fld id="{785A6BDF-D4D2-4D70-98B2-974E4DE581E0}" type="datetimeFigureOut">
               <a:rPr lang="vi-VN" smtClean="0"/>
-              <a:t>23/10/2021</a:t>
+              <a:t>17/06/2023</a:t>
             </a:fld>
             <a:endParaRPr lang="vi-VN"/>
           </a:p>
@@ -2258,7 +2263,7 @@
           <a:p>
             <a:fld id="{785A6BDF-D4D2-4D70-98B2-974E4DE581E0}" type="datetimeFigureOut">
               <a:rPr lang="vi-VN" smtClean="0"/>
-              <a:t>23/10/2021</a:t>
+              <a:t>17/06/2023</a:t>
             </a:fld>
             <a:endParaRPr lang="vi-VN"/>
           </a:p>
@@ -2515,7 +2520,7 @@
           <a:p>
             <a:fld id="{785A6BDF-D4D2-4D70-98B2-974E4DE581E0}" type="datetimeFigureOut">
               <a:rPr lang="vi-VN" smtClean="0"/>
-              <a:t>23/10/2021</a:t>
+              <a:t>17/06/2023</a:t>
             </a:fld>
             <a:endParaRPr lang="vi-VN"/>
           </a:p>
@@ -2733,7 +2738,7 @@
           <a:p>
             <a:fld id="{785A6BDF-D4D2-4D70-98B2-974E4DE581E0}" type="datetimeFigureOut">
               <a:rPr lang="vi-VN" smtClean="0"/>
-              <a:t>23/10/2021</a:t>
+              <a:t>17/06/2023</a:t>
             </a:fld>
             <a:endParaRPr lang="vi-VN"/>
           </a:p>
@@ -3145,41 +3150,7 @@
                 <a:latin typeface="微軟正黑體" pitchFamily="34" charset="-120"/>
                 <a:ea typeface="微軟正黑體" pitchFamily="34" charset="-120"/>
               </a:rPr>
-              <a:t>求</a:t>
-            </a:r>
-            <a:r>
-              <a:rPr lang="zh-CN" altLang="en-US" sz="7200" b="1" i="1" dirty="0">
-                <a:solidFill>
-                  <a:srgbClr val="660033"/>
-                </a:solidFill>
-                <a:effectLst>
-                  <a:outerShdw blurRad="38100" dist="38100" dir="2700000" algn="tl">
-                    <a:srgbClr val="000000">
-                      <a:alpha val="43137"/>
-                    </a:srgbClr>
-                  </a:outerShdw>
-                </a:effectLst>
-                <a:latin typeface="微軟正黑體" pitchFamily="34" charset="-120"/>
-                <a:ea typeface="微軟正黑體" pitchFamily="34" charset="-120"/>
-              </a:rPr>
-              <a:t>主充滿</a:t>
-            </a:r>
-            <a:r>
-              <a:rPr lang="zh-CN" altLang="en-US" sz="7200" b="1" i="1" dirty="0">
-                <a:solidFill>
-                  <a:srgbClr val="660033"/>
-                </a:solidFill>
-                <a:effectLst>
-                  <a:outerShdw blurRad="38100" dist="38100" dir="2700000" algn="tl">
-                    <a:srgbClr val="000000">
-                      <a:alpha val="43137"/>
-                    </a:srgbClr>
-                  </a:outerShdw>
-                </a:effectLst>
-                <a:latin typeface="微軟正黑體" pitchFamily="34" charset="-120"/>
-                <a:ea typeface="微軟正黑體" pitchFamily="34" charset="-120"/>
-              </a:rPr>
-              <a:t>我</a:t>
+              <a:t>求主充滿我</a:t>
             </a:r>
             <a:endParaRPr lang="zh-TW" altLang="en-US" sz="7200" b="1" i="1" dirty="0">
               <a:solidFill>
@@ -3261,8 +3232,20 @@
                 <a:latin typeface="微軟正黑體" pitchFamily="34" charset="-120"/>
                 <a:ea typeface="微軟正黑體" pitchFamily="34" charset="-120"/>
               </a:rPr>
-              <a:t>主   我</a:t>
-            </a:r>
+              <a:t>主   我來尋求祢的面</a:t>
+            </a:r>
+            <a:endParaRPr lang="en-US" altLang="zh-TW" sz="6400" b="1" dirty="0">
+              <a:solidFill>
+                <a:srgbClr val="660033"/>
+              </a:solidFill>
+              <a:latin typeface="微軟正黑體" pitchFamily="34" charset="-120"/>
+              <a:ea typeface="微軟正黑體" pitchFamily="34" charset="-120"/>
+            </a:endParaRPr>
+          </a:p>
+          <a:p>
+            <a:pPr algn="ctr">
+              <a:buNone/>
+            </a:pPr>
             <a:r>
               <a:rPr lang="zh-TW" altLang="en-US" sz="6400" b="1" dirty="0">
                 <a:solidFill>
@@ -3271,17 +3254,7 @@
                 <a:latin typeface="微軟正黑體" pitchFamily="34" charset="-120"/>
                 <a:ea typeface="微軟正黑體" pitchFamily="34" charset="-120"/>
               </a:rPr>
-              <a:t>來尋求祢的</a:t>
-            </a:r>
-            <a:r>
-              <a:rPr lang="zh-TW" altLang="en-US" sz="6400" b="1" dirty="0">
-                <a:solidFill>
-                  <a:srgbClr val="660033"/>
-                </a:solidFill>
-                <a:latin typeface="微軟正黑體" pitchFamily="34" charset="-120"/>
-                <a:ea typeface="微軟正黑體" pitchFamily="34" charset="-120"/>
-              </a:rPr>
-              <a:t>面</a:t>
+              <a:t>求祢充滿我   來充滿我</a:t>
             </a:r>
             <a:endParaRPr lang="en-US" altLang="zh-TW" sz="6400" b="1" dirty="0">
               <a:solidFill>
@@ -3291,58 +3264,6 @@
               <a:ea typeface="微軟正黑體" pitchFamily="34" charset="-120"/>
             </a:endParaRPr>
           </a:p>
-          <a:p>
-            <a:pPr algn="ctr">
-              <a:buNone/>
-            </a:pPr>
-            <a:r>
-              <a:rPr lang="zh-TW" altLang="en-US" sz="6400" b="1" dirty="0">
-                <a:solidFill>
-                  <a:srgbClr val="660033"/>
-                </a:solidFill>
-                <a:latin typeface="微軟正黑體" pitchFamily="34" charset="-120"/>
-                <a:ea typeface="微軟正黑體" pitchFamily="34" charset="-120"/>
-              </a:rPr>
-              <a:t>求</a:t>
-            </a:r>
-            <a:r>
-              <a:rPr lang="zh-TW" altLang="en-US" sz="6400" b="1" dirty="0">
-                <a:solidFill>
-                  <a:srgbClr val="660033"/>
-                </a:solidFill>
-                <a:latin typeface="微軟正黑體" pitchFamily="34" charset="-120"/>
-                <a:ea typeface="微軟正黑體" pitchFamily="34" charset="-120"/>
-              </a:rPr>
-              <a:t>祢充滿我 </a:t>
-            </a:r>
-            <a:r>
-              <a:rPr lang="zh-TW" altLang="en-US" sz="6400" b="1" dirty="0">
-                <a:solidFill>
-                  <a:srgbClr val="660033"/>
-                </a:solidFill>
-                <a:latin typeface="微軟正黑體" pitchFamily="34" charset="-120"/>
-                <a:ea typeface="微軟正黑體" pitchFamily="34" charset="-120"/>
-              </a:rPr>
-              <a:t>  來</a:t>
-            </a:r>
-            <a:r>
-              <a:rPr lang="zh-TW" altLang="en-US" sz="6400" b="1" dirty="0">
-                <a:solidFill>
-                  <a:srgbClr val="660033"/>
-                </a:solidFill>
-                <a:latin typeface="微軟正黑體" pitchFamily="34" charset="-120"/>
-                <a:ea typeface="微軟正黑體" pitchFamily="34" charset="-120"/>
-              </a:rPr>
-              <a:t>充滿我</a:t>
-            </a:r>
-            <a:endParaRPr lang="en-US" altLang="zh-TW" sz="6400" b="1" dirty="0">
-              <a:solidFill>
-                <a:srgbClr val="660033"/>
-              </a:solidFill>
-              <a:latin typeface="微軟正黑體" pitchFamily="34" charset="-120"/>
-              <a:ea typeface="微軟正黑體" pitchFamily="34" charset="-120"/>
-            </a:endParaRPr>
-          </a:p>
         </p:txBody>
       </p:sp>
       <p:sp>
@@ -3354,7 +3275,7 @@
         <p:spPr>
           <a:xfrm>
             <a:off x="0" y="5061182"/>
-            <a:ext cx="12192000" cy="830997"/>
+            <a:ext cx="12192000" cy="646331"/>
           </a:xfrm>
           <a:prstGeom prst="rect">
             <a:avLst/>
@@ -3369,7 +3290,7 @@
           <a:p>
             <a:pPr algn="ctr"/>
             <a:r>
-              <a:rPr lang="en-US" sz="4800" b="1" dirty="0">
+              <a:rPr lang="en-US" sz="3600" b="1" dirty="0">
                 <a:solidFill>
                   <a:srgbClr val="660033"/>
                 </a:solidFill>
@@ -3380,7 +3301,7 @@
               <a:t>( </a:t>
             </a:r>
             <a:r>
-              <a:rPr lang="zh-CN" altLang="en-US" sz="4800" b="1" dirty="0">
+              <a:rPr lang="zh-CN" altLang="en-US" sz="3600" b="1" dirty="0">
                 <a:solidFill>
                   <a:srgbClr val="660033"/>
                 </a:solidFill>
@@ -3391,7 +3312,7 @@
               <a:t>正</a:t>
             </a:r>
             <a:r>
-              <a:rPr lang="en-US" sz="4800" b="1" dirty="0">
+              <a:rPr lang="en-US" sz="3600" b="1" dirty="0">
                 <a:solidFill>
                   <a:srgbClr val="660033"/>
                 </a:solidFill>
@@ -3401,7 +3322,7 @@
               </a:rPr>
               <a:t> )</a:t>
             </a:r>
-            <a:endParaRPr lang="vi-VN" sz="4800" b="1" dirty="0">
+            <a:endParaRPr lang="vi-VN" sz="3600" b="1" dirty="0">
               <a:solidFill>
                 <a:srgbClr val="660033"/>
               </a:solidFill>
@@ -3474,8 +3395,20 @@
                 <a:latin typeface="微軟正黑體" pitchFamily="34" charset="-120"/>
                 <a:ea typeface="微軟正黑體" pitchFamily="34" charset="-120"/>
               </a:rPr>
-              <a:t>主 </a:t>
-            </a:r>
+              <a:t>主   我渴慕祢的同在</a:t>
+            </a:r>
+            <a:endParaRPr lang="en-US" altLang="zh-TW" sz="6400" b="1" dirty="0">
+              <a:solidFill>
+                <a:srgbClr val="660033"/>
+              </a:solidFill>
+              <a:latin typeface="微軟正黑體" pitchFamily="34" charset="-120"/>
+              <a:ea typeface="微軟正黑體" pitchFamily="34" charset="-120"/>
+            </a:endParaRPr>
+          </a:p>
+          <a:p>
+            <a:pPr algn="ctr">
+              <a:buNone/>
+            </a:pPr>
             <a:r>
               <a:rPr lang="zh-TW" altLang="en-US" sz="6400" b="1" dirty="0">
                 <a:solidFill>
@@ -3484,27 +3417,7 @@
                 <a:latin typeface="微軟正黑體" pitchFamily="34" charset="-120"/>
                 <a:ea typeface="微軟正黑體" pitchFamily="34" charset="-120"/>
               </a:rPr>
-              <a:t>  我</a:t>
-            </a:r>
-            <a:r>
-              <a:rPr lang="zh-TW" altLang="en-US" sz="6400" b="1" dirty="0">
-                <a:solidFill>
-                  <a:srgbClr val="660033"/>
-                </a:solidFill>
-                <a:latin typeface="微軟正黑體" pitchFamily="34" charset="-120"/>
-                <a:ea typeface="微軟正黑體" pitchFamily="34" charset="-120"/>
-              </a:rPr>
-              <a:t>渴慕祢的同</a:t>
-            </a:r>
-            <a:r>
-              <a:rPr lang="zh-TW" altLang="en-US" sz="6400" b="1" dirty="0">
-                <a:solidFill>
-                  <a:srgbClr val="660033"/>
-                </a:solidFill>
-                <a:latin typeface="微軟正黑體" pitchFamily="34" charset="-120"/>
-                <a:ea typeface="微軟正黑體" pitchFamily="34" charset="-120"/>
-              </a:rPr>
-              <a:t>在</a:t>
+              <a:t>求祢潔淨我   來充滿我</a:t>
             </a:r>
             <a:endParaRPr lang="en-US" altLang="zh-TW" sz="6400" b="1" dirty="0">
               <a:solidFill>
@@ -3514,58 +3427,6 @@
               <a:ea typeface="微軟正黑體" pitchFamily="34" charset="-120"/>
             </a:endParaRPr>
           </a:p>
-          <a:p>
-            <a:pPr algn="ctr">
-              <a:buNone/>
-            </a:pPr>
-            <a:r>
-              <a:rPr lang="zh-TW" altLang="en-US" sz="6400" b="1" dirty="0">
-                <a:solidFill>
-                  <a:srgbClr val="660033"/>
-                </a:solidFill>
-                <a:latin typeface="微軟正黑體" pitchFamily="34" charset="-120"/>
-                <a:ea typeface="微軟正黑體" pitchFamily="34" charset="-120"/>
-              </a:rPr>
-              <a:t>求</a:t>
-            </a:r>
-            <a:r>
-              <a:rPr lang="zh-TW" altLang="en-US" sz="6400" b="1" dirty="0">
-                <a:solidFill>
-                  <a:srgbClr val="660033"/>
-                </a:solidFill>
-                <a:latin typeface="微軟正黑體" pitchFamily="34" charset="-120"/>
-                <a:ea typeface="微軟正黑體" pitchFamily="34" charset="-120"/>
-              </a:rPr>
-              <a:t>祢潔淨我 </a:t>
-            </a:r>
-            <a:r>
-              <a:rPr lang="zh-TW" altLang="en-US" sz="6400" b="1" dirty="0">
-                <a:solidFill>
-                  <a:srgbClr val="660033"/>
-                </a:solidFill>
-                <a:latin typeface="微軟正黑體" pitchFamily="34" charset="-120"/>
-                <a:ea typeface="微軟正黑體" pitchFamily="34" charset="-120"/>
-              </a:rPr>
-              <a:t>  來</a:t>
-            </a:r>
-            <a:r>
-              <a:rPr lang="zh-TW" altLang="en-US" sz="6400" b="1" dirty="0">
-                <a:solidFill>
-                  <a:srgbClr val="660033"/>
-                </a:solidFill>
-                <a:latin typeface="微軟正黑體" pitchFamily="34" charset="-120"/>
-                <a:ea typeface="微軟正黑體" pitchFamily="34" charset="-120"/>
-              </a:rPr>
-              <a:t>充滿我</a:t>
-            </a:r>
-            <a:endParaRPr lang="en-US" altLang="zh-TW" sz="6400" b="1" dirty="0">
-              <a:solidFill>
-                <a:srgbClr val="660033"/>
-              </a:solidFill>
-              <a:latin typeface="微軟正黑體" pitchFamily="34" charset="-120"/>
-              <a:ea typeface="微軟正黑體" pitchFamily="34" charset="-120"/>
-            </a:endParaRPr>
-          </a:p>
         </p:txBody>
       </p:sp>
       <p:sp>
@@ -3577,7 +3438,7 @@
         <p:spPr>
           <a:xfrm>
             <a:off x="0" y="5061182"/>
-            <a:ext cx="12192000" cy="830997"/>
+            <a:ext cx="12192000" cy="646331"/>
           </a:xfrm>
           <a:prstGeom prst="rect">
             <a:avLst/>
@@ -3592,43 +3453,40 @@
           <a:p>
             <a:pPr algn="ctr"/>
             <a:r>
-              <a:rPr lang="en-US" sz="4800" b="1" dirty="0">
+              <a:rPr lang="en-US" sz="3600" b="1" dirty="0">
                 <a:solidFill>
                   <a:srgbClr val="660033"/>
                 </a:solidFill>
-                <a:effectLst/>
                 <a:latin typeface="Microsoft JhengHei" panose="020B0604030504040204" pitchFamily="34" charset="-120"/>
                 <a:ea typeface="Microsoft JhengHei" panose="020B0604030504040204" pitchFamily="34" charset="-120"/>
               </a:rPr>
               <a:t>( </a:t>
             </a:r>
             <a:r>
-              <a:rPr lang="zh-CN" altLang="en-US" sz="4800" b="1" dirty="0">
+              <a:rPr lang="zh-CN" altLang="en-US" sz="3600" b="1" dirty="0">
                 <a:solidFill>
                   <a:srgbClr val="660033"/>
                 </a:solidFill>
-                <a:effectLst/>
                 <a:latin typeface="Microsoft JhengHei" panose="020B0604030504040204" pitchFamily="34" charset="-120"/>
                 <a:ea typeface="Microsoft JhengHei" panose="020B0604030504040204" pitchFamily="34" charset="-120"/>
               </a:rPr>
               <a:t>正</a:t>
             </a:r>
             <a:r>
-              <a:rPr lang="en-US" sz="4800" b="1" dirty="0">
+              <a:rPr lang="en-US" sz="3600" b="1" dirty="0">
                 <a:solidFill>
                   <a:srgbClr val="660033"/>
                 </a:solidFill>
-                <a:effectLst/>
                 <a:latin typeface="Microsoft JhengHei" panose="020B0604030504040204" pitchFamily="34" charset="-120"/>
                 <a:ea typeface="Microsoft JhengHei" panose="020B0604030504040204" pitchFamily="34" charset="-120"/>
               </a:rPr>
               <a:t> )</a:t>
             </a:r>
-            <a:endParaRPr lang="vi-VN" sz="4800" b="1" dirty="0">
+            <a:endParaRPr lang="vi-VN" sz="3600" b="1" dirty="0">
               <a:solidFill>
                 <a:srgbClr val="660033"/>
               </a:solidFill>
-              <a:effectLst/>
+              <a:latin typeface="Microsoft JhengHei" panose="020B0604030504040204" pitchFamily="34" charset="-120"/>
               <a:ea typeface="Microsoft JhengHei" panose="020B0604030504040204" pitchFamily="34" charset="-120"/>
             </a:endParaRPr>
           </a:p>
@@ -3697,8 +3555,20 @@
                 <a:latin typeface="微軟正黑體" pitchFamily="34" charset="-120"/>
                 <a:ea typeface="微軟正黑體" pitchFamily="34" charset="-120"/>
               </a:rPr>
-              <a:t>耶穌 </a:t>
-            </a:r>
+              <a:t>耶穌   耶穌   耶穌   耶穌</a:t>
+            </a:r>
+            <a:endParaRPr lang="en-US" altLang="zh-TW" sz="6400" b="1" dirty="0">
+              <a:solidFill>
+                <a:srgbClr val="660033"/>
+              </a:solidFill>
+              <a:latin typeface="微軟正黑體" pitchFamily="34" charset="-120"/>
+              <a:ea typeface="微軟正黑體" pitchFamily="34" charset="-120"/>
+            </a:endParaRPr>
+          </a:p>
+          <a:p>
+            <a:pPr algn="ctr">
+              <a:buNone/>
+            </a:pPr>
             <a:r>
               <a:rPr lang="zh-TW" altLang="en-US" sz="6400" b="1" dirty="0">
                 <a:solidFill>
@@ -3707,47 +3577,7 @@
                 <a:latin typeface="微軟正黑體" pitchFamily="34" charset="-120"/>
                 <a:ea typeface="微軟正黑體" pitchFamily="34" charset="-120"/>
               </a:rPr>
-              <a:t>  耶穌   </a:t>
-            </a:r>
-            <a:r>
-              <a:rPr lang="zh-TW" altLang="en-US" sz="6400" b="1" dirty="0">
-                <a:solidFill>
-                  <a:srgbClr val="660033"/>
-                </a:solidFill>
-                <a:latin typeface="微軟正黑體" pitchFamily="34" charset="-120"/>
-                <a:ea typeface="微軟正黑體" pitchFamily="34" charset="-120"/>
-              </a:rPr>
-              <a:t>耶</a:t>
-            </a:r>
-            <a:r>
-              <a:rPr lang="zh-TW" altLang="en-US" sz="6400" b="1" dirty="0">
-                <a:solidFill>
-                  <a:srgbClr val="660033"/>
-                </a:solidFill>
-                <a:latin typeface="微軟正黑體" pitchFamily="34" charset="-120"/>
-                <a:ea typeface="微軟正黑體" pitchFamily="34" charset="-120"/>
-              </a:rPr>
-              <a:t>穌   </a:t>
-            </a:r>
-            <a:r>
-              <a:rPr lang="zh-TW" altLang="en-US" sz="6400" b="1" dirty="0">
-                <a:solidFill>
-                  <a:srgbClr val="660033"/>
-                </a:solidFill>
-                <a:latin typeface="微軟正黑體" pitchFamily="34" charset="-120"/>
-                <a:ea typeface="微軟正黑體" pitchFamily="34" charset="-120"/>
-              </a:rPr>
-              <a:t>耶</a:t>
-            </a:r>
-            <a:r>
-              <a:rPr lang="zh-TW" altLang="en-US" sz="6400" b="1" dirty="0">
-                <a:solidFill>
-                  <a:srgbClr val="660033"/>
-                </a:solidFill>
-                <a:latin typeface="微軟正黑體" pitchFamily="34" charset="-120"/>
-                <a:ea typeface="微軟正黑體" pitchFamily="34" charset="-120"/>
-              </a:rPr>
-              <a:t>穌</a:t>
+              <a:t>祢的寶血洗淨我</a:t>
             </a:r>
             <a:endParaRPr lang="en-US" altLang="zh-TW" sz="6400" b="1" dirty="0">
               <a:solidFill>
@@ -3757,38 +3587,6 @@
               <a:ea typeface="微軟正黑體" pitchFamily="34" charset="-120"/>
             </a:endParaRPr>
           </a:p>
-          <a:p>
-            <a:pPr algn="ctr">
-              <a:buNone/>
-            </a:pPr>
-            <a:r>
-              <a:rPr lang="zh-TW" altLang="en-US" sz="6400" b="1" dirty="0">
-                <a:solidFill>
-                  <a:srgbClr val="660033"/>
-                </a:solidFill>
-                <a:latin typeface="微軟正黑體" pitchFamily="34" charset="-120"/>
-                <a:ea typeface="微軟正黑體" pitchFamily="34" charset="-120"/>
-              </a:rPr>
-              <a:t>祢</a:t>
-            </a:r>
-            <a:r>
-              <a:rPr lang="zh-TW" altLang="en-US" sz="6400" b="1" dirty="0">
-                <a:solidFill>
-                  <a:srgbClr val="660033"/>
-                </a:solidFill>
-                <a:latin typeface="微軟正黑體" pitchFamily="34" charset="-120"/>
-                <a:ea typeface="微軟正黑體" pitchFamily="34" charset="-120"/>
-              </a:rPr>
-              <a:t>的寶血洗淨我</a:t>
-            </a:r>
-            <a:endParaRPr lang="en-US" altLang="zh-TW" sz="6400" b="1" dirty="0">
-              <a:solidFill>
-                <a:srgbClr val="660033"/>
-              </a:solidFill>
-              <a:latin typeface="微軟正黑體" pitchFamily="34" charset="-120"/>
-              <a:ea typeface="微軟正黑體" pitchFamily="34" charset="-120"/>
-            </a:endParaRPr>
-          </a:p>
         </p:txBody>
       </p:sp>
       <p:sp>
@@ -3800,7 +3598,7 @@
         <p:spPr>
           <a:xfrm>
             <a:off x="0" y="5061182"/>
-            <a:ext cx="12192000" cy="830997"/>
+            <a:ext cx="12192000" cy="646331"/>
           </a:xfrm>
           <a:prstGeom prst="rect">
             <a:avLst/>
@@ -3815,43 +3613,40 @@
           <a:p>
             <a:pPr algn="ctr"/>
             <a:r>
-              <a:rPr lang="en-US" sz="4800" b="1" dirty="0">
+              <a:rPr lang="en-US" sz="3600" b="1" dirty="0">
                 <a:solidFill>
                   <a:srgbClr val="660033"/>
                 </a:solidFill>
-                <a:effectLst/>
                 <a:latin typeface="Microsoft JhengHei" panose="020B0604030504040204" pitchFamily="34" charset="-120"/>
                 <a:ea typeface="Microsoft JhengHei" panose="020B0604030504040204" pitchFamily="34" charset="-120"/>
               </a:rPr>
               <a:t>( </a:t>
             </a:r>
             <a:r>
-              <a:rPr lang="zh-CN" altLang="en-US" sz="4800" b="1" dirty="0">
+              <a:rPr lang="zh-CN" altLang="en-US" sz="3600" b="1" dirty="0">
                 <a:solidFill>
                   <a:srgbClr val="660033"/>
                 </a:solidFill>
-                <a:effectLst/>
                 <a:latin typeface="Microsoft JhengHei" panose="020B0604030504040204" pitchFamily="34" charset="-120"/>
                 <a:ea typeface="Microsoft JhengHei" panose="020B0604030504040204" pitchFamily="34" charset="-120"/>
               </a:rPr>
               <a:t>副</a:t>
             </a:r>
             <a:r>
-              <a:rPr lang="en-US" sz="4800" b="1" dirty="0">
+              <a:rPr lang="en-US" sz="3600" b="1" dirty="0">
                 <a:solidFill>
                   <a:srgbClr val="660033"/>
                 </a:solidFill>
-                <a:effectLst/>
                 <a:latin typeface="Microsoft JhengHei" panose="020B0604030504040204" pitchFamily="34" charset="-120"/>
                 <a:ea typeface="Microsoft JhengHei" panose="020B0604030504040204" pitchFamily="34" charset="-120"/>
               </a:rPr>
               <a:t> )</a:t>
             </a:r>
-            <a:endParaRPr lang="vi-VN" sz="4800" b="1" dirty="0">
+            <a:endParaRPr lang="vi-VN" sz="3600" b="1" dirty="0">
               <a:solidFill>
                 <a:srgbClr val="660033"/>
               </a:solidFill>
-              <a:effectLst/>
+              <a:latin typeface="Microsoft JhengHei" panose="020B0604030504040204" pitchFamily="34" charset="-120"/>
               <a:ea typeface="Microsoft JhengHei" panose="020B0604030504040204" pitchFamily="34" charset="-120"/>
             </a:endParaRPr>
           </a:p>
@@ -3920,57 +3715,7 @@
                 <a:latin typeface="微軟正黑體" pitchFamily="34" charset="-120"/>
                 <a:ea typeface="微軟正黑體" pitchFamily="34" charset="-120"/>
               </a:rPr>
-              <a:t>耶穌 </a:t>
-            </a:r>
-            <a:r>
-              <a:rPr lang="zh-TW" altLang="en-US" sz="6400" b="1" dirty="0">
-                <a:solidFill>
-                  <a:srgbClr val="660033"/>
-                </a:solidFill>
-                <a:latin typeface="微軟正黑體" pitchFamily="34" charset="-120"/>
-                <a:ea typeface="微軟正黑體" pitchFamily="34" charset="-120"/>
-              </a:rPr>
-              <a:t>  耶穌   </a:t>
-            </a:r>
-            <a:r>
-              <a:rPr lang="zh-TW" altLang="en-US" sz="6400" b="1" dirty="0">
-                <a:solidFill>
-                  <a:srgbClr val="660033"/>
-                </a:solidFill>
-                <a:latin typeface="微軟正黑體" pitchFamily="34" charset="-120"/>
-                <a:ea typeface="微軟正黑體" pitchFamily="34" charset="-120"/>
-              </a:rPr>
-              <a:t>耶</a:t>
-            </a:r>
-            <a:r>
-              <a:rPr lang="zh-TW" altLang="en-US" sz="6400" b="1" dirty="0">
-                <a:solidFill>
-                  <a:srgbClr val="660033"/>
-                </a:solidFill>
-                <a:latin typeface="微軟正黑體" pitchFamily="34" charset="-120"/>
-                <a:ea typeface="微軟正黑體" pitchFamily="34" charset="-120"/>
-              </a:rPr>
-              <a:t>穌   </a:t>
-            </a:r>
-            <a:r>
-              <a:rPr lang="zh-TW" altLang="en-US" sz="6400" b="1" dirty="0">
-                <a:solidFill>
-                  <a:srgbClr val="660033"/>
-                </a:solidFill>
-                <a:latin typeface="微軟正黑體" pitchFamily="34" charset="-120"/>
-                <a:ea typeface="微軟正黑體" pitchFamily="34" charset="-120"/>
-              </a:rPr>
-              <a:t>耶</a:t>
-            </a:r>
-            <a:r>
-              <a:rPr lang="zh-TW" altLang="en-US" sz="6400" b="1" dirty="0">
-                <a:solidFill>
-                  <a:srgbClr val="660033"/>
-                </a:solidFill>
-                <a:latin typeface="微軟正黑體" pitchFamily="34" charset="-120"/>
-                <a:ea typeface="微軟正黑體" pitchFamily="34" charset="-120"/>
-              </a:rPr>
-              <a:t>穌</a:t>
+              <a:t>耶穌   耶穌   耶穌   耶穌</a:t>
             </a:r>
             <a:endParaRPr lang="en-US" altLang="zh-TW" sz="6400" b="1" dirty="0">
               <a:solidFill>
@@ -3992,27 +3737,7 @@
                 <a:latin typeface="微軟正黑體" pitchFamily="34" charset="-120"/>
                 <a:ea typeface="微軟正黑體" pitchFamily="34" charset="-120"/>
               </a:rPr>
-              <a:t>祢以恩</a:t>
-            </a:r>
-            <a:r>
-              <a:rPr lang="zh-CN" altLang="en-US" sz="6400" b="1" dirty="0">
-                <a:solidFill>
-                  <a:srgbClr val="660033"/>
-                </a:solidFill>
-                <a:latin typeface="微軟正黑體" pitchFamily="34" charset="-120"/>
-                <a:ea typeface="微軟正黑體" pitchFamily="34" charset="-120"/>
-              </a:rPr>
-              <a:t>典為</a:t>
-            </a:r>
-            <a:r>
-              <a:rPr lang="zh-CN" altLang="en-US" sz="6400" b="1" dirty="0">
-                <a:solidFill>
-                  <a:srgbClr val="660033"/>
-                </a:solidFill>
-                <a:latin typeface="微軟正黑體" pitchFamily="34" charset="-120"/>
-                <a:ea typeface="微軟正黑體" pitchFamily="34" charset="-120"/>
-              </a:rPr>
-              <a:t>我冠冕</a:t>
+              <a:t>祢以恩典為我冠冕</a:t>
             </a:r>
             <a:endParaRPr lang="en-US" altLang="zh-TW" sz="6400" b="1" dirty="0">
               <a:solidFill>
@@ -4033,7 +3758,7 @@
         <p:spPr>
           <a:xfrm>
             <a:off x="0" y="5061182"/>
-            <a:ext cx="12192000" cy="830997"/>
+            <a:ext cx="12192000" cy="646331"/>
           </a:xfrm>
           <a:prstGeom prst="rect">
             <a:avLst/>
@@ -4048,43 +3773,40 @@
           <a:p>
             <a:pPr algn="ctr"/>
             <a:r>
-              <a:rPr lang="en-US" sz="4800" b="1" dirty="0">
+              <a:rPr lang="en-US" sz="3600" b="1" dirty="0">
                 <a:solidFill>
                   <a:srgbClr val="660033"/>
                 </a:solidFill>
-                <a:effectLst/>
                 <a:latin typeface="Microsoft JhengHei" panose="020B0604030504040204" pitchFamily="34" charset="-120"/>
                 <a:ea typeface="Microsoft JhengHei" panose="020B0604030504040204" pitchFamily="34" charset="-120"/>
               </a:rPr>
               <a:t>( </a:t>
             </a:r>
             <a:r>
-              <a:rPr lang="zh-CN" altLang="en-US" sz="4800" b="1" dirty="0">
+              <a:rPr lang="zh-CN" altLang="en-US" sz="3600" b="1" dirty="0">
                 <a:solidFill>
                   <a:srgbClr val="660033"/>
                 </a:solidFill>
-                <a:effectLst/>
                 <a:latin typeface="Microsoft JhengHei" panose="020B0604030504040204" pitchFamily="34" charset="-120"/>
                 <a:ea typeface="Microsoft JhengHei" panose="020B0604030504040204" pitchFamily="34" charset="-120"/>
               </a:rPr>
               <a:t>副</a:t>
             </a:r>
             <a:r>
-              <a:rPr lang="en-US" sz="4800" b="1" dirty="0">
+              <a:rPr lang="en-US" sz="3600" b="1" dirty="0">
                 <a:solidFill>
                   <a:srgbClr val="660033"/>
                 </a:solidFill>
-                <a:effectLst/>
                 <a:latin typeface="Microsoft JhengHei" panose="020B0604030504040204" pitchFamily="34" charset="-120"/>
                 <a:ea typeface="Microsoft JhengHei" panose="020B0604030504040204" pitchFamily="34" charset="-120"/>
               </a:rPr>
               <a:t> )</a:t>
             </a:r>
-            <a:endParaRPr lang="vi-VN" sz="4800" b="1" dirty="0">
+            <a:endParaRPr lang="vi-VN" sz="3600" b="1" dirty="0">
               <a:solidFill>
                 <a:srgbClr val="660033"/>
               </a:solidFill>
-              <a:effectLst/>
+              <a:latin typeface="Microsoft JhengHei" panose="020B0604030504040204" pitchFamily="34" charset="-120"/>
               <a:ea typeface="Microsoft JhengHei" panose="020B0604030504040204" pitchFamily="34" charset="-120"/>
             </a:endParaRPr>
           </a:p>
